--- a/Gestion de projet & rapport projet Robot R2D2/docs divers/Voies technologiques.pptx
+++ b/Gestion de projet & rapport projet Robot R2D2/docs divers/Voies technologiques.pptx
@@ -245,7 +245,7 @@
           <a:p>
             <a:fld id="{F472BD14-2302-40E3-8DDF-B5E9BBCA543B}" type="datetimeFigureOut">
               <a:rPr lang="fr-FR" smtClean="0"/>
-              <a:t>08/01/2016</a:t>
+              <a:t>23/02/2016</a:t>
             </a:fld>
             <a:endParaRPr lang="fr-FR"/>
           </a:p>
@@ -415,7 +415,7 @@
           <a:p>
             <a:fld id="{F472BD14-2302-40E3-8DDF-B5E9BBCA543B}" type="datetimeFigureOut">
               <a:rPr lang="fr-FR" smtClean="0"/>
-              <a:t>08/01/2016</a:t>
+              <a:t>23/02/2016</a:t>
             </a:fld>
             <a:endParaRPr lang="fr-FR"/>
           </a:p>
@@ -595,7 +595,7 @@
           <a:p>
             <a:fld id="{F472BD14-2302-40E3-8DDF-B5E9BBCA543B}" type="datetimeFigureOut">
               <a:rPr lang="fr-FR" smtClean="0"/>
-              <a:t>08/01/2016</a:t>
+              <a:t>23/02/2016</a:t>
             </a:fld>
             <a:endParaRPr lang="fr-FR"/>
           </a:p>
@@ -765,7 +765,7 @@
           <a:p>
             <a:fld id="{F472BD14-2302-40E3-8DDF-B5E9BBCA543B}" type="datetimeFigureOut">
               <a:rPr lang="fr-FR" smtClean="0"/>
-              <a:t>08/01/2016</a:t>
+              <a:t>23/02/2016</a:t>
             </a:fld>
             <a:endParaRPr lang="fr-FR"/>
           </a:p>
@@ -1011,7 +1011,7 @@
           <a:p>
             <a:fld id="{F472BD14-2302-40E3-8DDF-B5E9BBCA543B}" type="datetimeFigureOut">
               <a:rPr lang="fr-FR" smtClean="0"/>
-              <a:t>08/01/2016</a:t>
+              <a:t>23/02/2016</a:t>
             </a:fld>
             <a:endParaRPr lang="fr-FR"/>
           </a:p>
@@ -1243,7 +1243,7 @@
           <a:p>
             <a:fld id="{F472BD14-2302-40E3-8DDF-B5E9BBCA543B}" type="datetimeFigureOut">
               <a:rPr lang="fr-FR" smtClean="0"/>
-              <a:t>08/01/2016</a:t>
+              <a:t>23/02/2016</a:t>
             </a:fld>
             <a:endParaRPr lang="fr-FR"/>
           </a:p>
@@ -1610,7 +1610,7 @@
           <a:p>
             <a:fld id="{F472BD14-2302-40E3-8DDF-B5E9BBCA543B}" type="datetimeFigureOut">
               <a:rPr lang="fr-FR" smtClean="0"/>
-              <a:t>08/01/2016</a:t>
+              <a:t>23/02/2016</a:t>
             </a:fld>
             <a:endParaRPr lang="fr-FR"/>
           </a:p>
@@ -1728,7 +1728,7 @@
           <a:p>
             <a:fld id="{F472BD14-2302-40E3-8DDF-B5E9BBCA543B}" type="datetimeFigureOut">
               <a:rPr lang="fr-FR" smtClean="0"/>
-              <a:t>08/01/2016</a:t>
+              <a:t>23/02/2016</a:t>
             </a:fld>
             <a:endParaRPr lang="fr-FR"/>
           </a:p>
@@ -1823,7 +1823,7 @@
           <a:p>
             <a:fld id="{F472BD14-2302-40E3-8DDF-B5E9BBCA543B}" type="datetimeFigureOut">
               <a:rPr lang="fr-FR" smtClean="0"/>
-              <a:t>08/01/2016</a:t>
+              <a:t>23/02/2016</a:t>
             </a:fld>
             <a:endParaRPr lang="fr-FR"/>
           </a:p>
@@ -2100,7 +2100,7 @@
           <a:p>
             <a:fld id="{F472BD14-2302-40E3-8DDF-B5E9BBCA543B}" type="datetimeFigureOut">
               <a:rPr lang="fr-FR" smtClean="0"/>
-              <a:t>08/01/2016</a:t>
+              <a:t>23/02/2016</a:t>
             </a:fld>
             <a:endParaRPr lang="fr-FR"/>
           </a:p>
@@ -2353,7 +2353,7 @@
           <a:p>
             <a:fld id="{F472BD14-2302-40E3-8DDF-B5E9BBCA543B}" type="datetimeFigureOut">
               <a:rPr lang="fr-FR" smtClean="0"/>
-              <a:t>08/01/2016</a:t>
+              <a:t>23/02/2016</a:t>
             </a:fld>
             <a:endParaRPr lang="fr-FR"/>
           </a:p>
@@ -2566,7 +2566,7 @@
           <a:p>
             <a:fld id="{F472BD14-2302-40E3-8DDF-B5E9BBCA543B}" type="datetimeFigureOut">
               <a:rPr lang="fr-FR" smtClean="0"/>
-              <a:t>08/01/2016</a:t>
+              <a:t>23/02/2016</a:t>
             </a:fld>
             <a:endParaRPr lang="fr-FR"/>
           </a:p>
@@ -3187,15 +3187,7 @@
           <a:p>
             <a:r>
               <a:rPr lang="fr-FR" dirty="0" smtClean="0"/>
-              <a:t>FP </a:t>
-            </a:r>
-            <a:r>
-              <a:rPr lang="fr-FR" dirty="0" smtClean="0"/>
-              <a:t>2 </a:t>
-            </a:r>
-            <a:r>
-              <a:rPr lang="fr-FR" dirty="0" smtClean="0"/>
-              <a:t>: Déplacement via ordinateur</a:t>
+              <a:t>FP 2 : Déplacement via ordinateur</a:t>
             </a:r>
             <a:endParaRPr lang="fr-FR" dirty="0"/>
           </a:p>
@@ -3225,15 +3217,7 @@
           <a:p>
             <a:r>
               <a:rPr lang="fr-FR" dirty="0" smtClean="0"/>
-              <a:t>FP </a:t>
-            </a:r>
-            <a:r>
-              <a:rPr lang="fr-FR" dirty="0" smtClean="0"/>
-              <a:t>3 </a:t>
-            </a:r>
-            <a:r>
-              <a:rPr lang="fr-FR" dirty="0" smtClean="0"/>
-              <a:t>: Déplacement via smartphone</a:t>
+              <a:t>FP 3 : Déplacement via smartphone</a:t>
             </a:r>
             <a:endParaRPr lang="fr-FR" dirty="0"/>
           </a:p>
@@ -4048,11 +4032,7 @@
           <a:p>
             <a:r>
               <a:rPr lang="fr-FR" dirty="0" smtClean="0"/>
-              <a:t>FP </a:t>
-            </a:r>
-            <a:r>
-              <a:rPr lang="fr-FR" dirty="0" smtClean="0"/>
-              <a:t>1 : Déplacement du robot</a:t>
+              <a:t>FP 1 : Déplacement du robot</a:t>
             </a:r>
             <a:endParaRPr lang="fr-FR" dirty="0"/>
           </a:p>
@@ -4558,7 +4538,7 @@
           <a:lstStyle/>
           <a:p>
             <a:r>
-              <a:rPr lang="fr-FR" dirty="0" err="1" smtClean="0"/>
+              <a:rPr lang="fr-FR" dirty="0" smtClean="0"/>
               <a:t>Jetpack</a:t>
             </a:r>
             <a:endParaRPr lang="fr-FR" dirty="0"/>
@@ -5417,7 +5397,7 @@
                     <a:lstStyle/>
                     <a:p>
                       <a:r>
-                        <a:rPr lang="fr-FR" dirty="0" err="1" smtClean="0"/>
+                        <a:rPr lang="fr-FR" dirty="0" smtClean="0"/>
                         <a:t>Jetpack</a:t>
                       </a:r>
                       <a:endParaRPr lang="fr-FR" dirty="0"/>
@@ -5875,11 +5855,7 @@
                       </a:r>
                       <a:r>
                         <a:rPr lang="fr-FR" sz="1600" b="1" i="1" baseline="0" dirty="0" smtClean="0"/>
-                        <a:t> </a:t>
-                      </a:r>
-                      <a:r>
-                        <a:rPr lang="fr-FR" sz="1600" b="1" i="1" baseline="0" dirty="0" smtClean="0"/>
-                        <a:t>via ordinateur</a:t>
+                        <a:t> via ordinateur</a:t>
                       </a:r>
                       <a:endParaRPr lang="fr-FR" sz="1600" b="1" i="1" dirty="0"/>
                     </a:p>
@@ -6703,11 +6679,7 @@
                       </a:r>
                       <a:r>
                         <a:rPr lang="fr-FR" sz="1600" b="1" i="1" baseline="0" dirty="0" smtClean="0"/>
-                        <a:t>via </a:t>
-                      </a:r>
-                      <a:r>
-                        <a:rPr lang="fr-FR" sz="1600" b="1" i="1" baseline="0" dirty="0" smtClean="0"/>
-                        <a:t>smartphone</a:t>
+                        <a:t>via smartphone</a:t>
                       </a:r>
                       <a:endParaRPr lang="fr-FR" sz="1600" b="1" i="1" dirty="0"/>
                     </a:p>
@@ -7289,11 +7261,7 @@
           <a:p>
             <a:r>
               <a:rPr lang="fr-FR" dirty="0" smtClean="0"/>
-              <a:t>Compte tenu de l’existant et des contraintes de simplicité et de </a:t>
-            </a:r>
-            <a:r>
-              <a:rPr lang="fr-FR" dirty="0" smtClean="0"/>
-              <a:t>praticité :</a:t>
+              <a:t>Compte tenu de l’existant et des contraintes de simplicité et de praticité :</a:t>
             </a:r>
           </a:p>
           <a:p>
@@ -7318,23 +7286,7 @@
           <a:p>
             <a:r>
               <a:rPr lang="fr-FR" dirty="0" smtClean="0"/>
-              <a:t>	L</a:t>
-            </a:r>
-            <a:r>
-              <a:rPr lang="fr-FR" dirty="0" smtClean="0"/>
-              <a:t>es </a:t>
-            </a:r>
-            <a:r>
-              <a:rPr lang="fr-FR" dirty="0" smtClean="0"/>
-              <a:t>solutions </a:t>
-            </a:r>
-            <a:r>
-              <a:rPr lang="fr-FR" dirty="0" smtClean="0"/>
-              <a:t>retenues pour le contrôle de ce déplacement </a:t>
-            </a:r>
-            <a:r>
-              <a:rPr lang="fr-FR" dirty="0" smtClean="0"/>
-              <a:t>sont la transmission via Wifi, simple à mettre en place, et la transmission filaire pour le déplacement via ordinateur, si la liaison wifi venait à échouer ou être indisponible pour certains ordinateurs.</a:t>
+              <a:t>	Les solutions retenues pour le contrôle de ce déplacement sont la transmission via Wifi, simple à mettre en place, et la transmission filaire pour le déplacement via ordinateur, si la liaison wifi venait à échouer ou être indisponible pour certains ordinateurs.</a:t>
             </a:r>
             <a:endParaRPr lang="fr-FR" dirty="0"/>
           </a:p>
